--- a/Module 4.pptx
+++ b/Module 4.pptx
@@ -5,7 +5,7 @@
     <p:sldMasterId id="2147483660" r:id="rId1"/>
   </p:sldMasterIdLst>
   <p:notesMasterIdLst>
-    <p:notesMasterId r:id="rId16"/>
+    <p:notesMasterId r:id="rId21"/>
   </p:notesMasterIdLst>
   <p:sldIdLst>
     <p:sldId id="257" r:id="rId2"/>
@@ -21,7 +21,12 @@
     <p:sldId id="261" r:id="rId12"/>
     <p:sldId id="262" r:id="rId13"/>
     <p:sldId id="265" r:id="rId14"/>
-    <p:sldId id="260" r:id="rId15"/>
+    <p:sldId id="271" r:id="rId15"/>
+    <p:sldId id="275" r:id="rId16"/>
+    <p:sldId id="274" r:id="rId17"/>
+    <p:sldId id="272" r:id="rId18"/>
+    <p:sldId id="273" r:id="rId19"/>
+    <p:sldId id="260" r:id="rId20"/>
   </p:sldIdLst>
   <p:sldSz cx="12192000" cy="6858000"/>
   <p:notesSz cx="6858000" cy="9144000"/>
@@ -120,6 +125,11 @@
       </a:defRPr>
     </a:lvl9pPr>
   </p:defaultTextStyle>
+  <p:extLst>
+    <p:ext uri="{EFAFB233-063F-42B5-8137-9DF3F51BA10A}">
+      <p15:sldGuideLst xmlns:p15="http://schemas.microsoft.com/office/powerpoint/2012/main"/>
+    </p:ext>
+  </p:extLst>
 </p:presentation>
 </file>
 
@@ -205,7 +215,7 @@
           <a:p>
             <a:fld id="{8B087120-B139-4DEF-9F2A-8FE4AF301134}" type="datetimeFigureOut">
               <a:rPr lang="en-US" smtClean="0"/>
-              <a:t>11/9/2021</a:t>
+              <a:t>11/16/2021</a:t>
             </a:fld>
             <a:endParaRPr lang="en-US"/>
           </a:p>
@@ -2155,7 +2165,7 @@
               <a:pPr>
                 <a:defRPr/>
               </a:pPr>
-              <a:t>09/11/2021</a:t>
+              <a:t>16/11/2021</a:t>
             </a:fld>
             <a:endParaRPr lang="en-GB">
               <a:solidFill>
@@ -2422,7 +2432,7 @@
           <a:p>
             <a:fld id="{81D7E70C-E1C2-406F-9F6B-237EA4DA6514}" type="datetimeFigureOut">
               <a:rPr lang="en-US" smtClean="0"/>
-              <a:t>11/9/2021</a:t>
+              <a:t>11/16/2021</a:t>
             </a:fld>
             <a:endParaRPr lang="en-US"/>
           </a:p>
@@ -3335,7 +3345,7 @@
           <a:p>
             <a:r>
               <a:rPr lang="en-GB" dirty="0" smtClean="0"/>
-              <a:t>Other functions</a:t>
+              <a:t>Other Functions</a:t>
             </a:r>
             <a:endParaRPr lang="en-US" dirty="0"/>
           </a:p>
@@ -3830,6 +3840,576 @@
             <p:ph type="title"/>
           </p:nvPr>
         </p:nvSpPr>
+        <p:spPr>
+          <a:xfrm>
+            <a:off x="241489" y="177207"/>
+            <a:ext cx="11711162" cy="1115616"/>
+          </a:xfrm>
+        </p:spPr>
+        <p:txBody>
+          <a:bodyPr/>
+          <a:lstStyle/>
+          <a:p>
+            <a:r>
+              <a:rPr lang="en-US" dirty="0" smtClean="0"/>
+              <a:t>Hand-assembling in x86</a:t>
+            </a:r>
+            <a:endParaRPr lang="en-US" dirty="0"/>
+          </a:p>
+        </p:txBody>
+      </p:sp>
+      <p:sp>
+        <p:nvSpPr>
+          <p:cNvPr id="5" name="Content Placeholder 4"/>
+          <p:cNvSpPr>
+            <a:spLocks noGrp="1"/>
+          </p:cNvSpPr>
+          <p:nvPr>
+            <p:ph idx="1"/>
+          </p:nvPr>
+        </p:nvSpPr>
+        <p:spPr/>
+        <p:txBody>
+          <a:bodyPr>
+            <a:normAutofit/>
+          </a:bodyPr>
+          <a:lstStyle/>
+          <a:p>
+            <a:pPr algn="just"/>
+            <a:r>
+              <a:rPr lang="en-US" sz="2800" dirty="0"/>
+              <a:t>The general x86 machine instruction format </a:t>
+            </a:r>
+            <a:r>
+              <a:rPr lang="en-US" sz="2800" dirty="0" smtClean="0"/>
+              <a:t>(as seen in the Figure below) </a:t>
+            </a:r>
+            <a:r>
+              <a:rPr lang="en-US" sz="2800" dirty="0"/>
+              <a:t>contains an instruction prefix byte, </a:t>
+            </a:r>
+            <a:r>
+              <a:rPr lang="en-US" sz="2800" dirty="0" err="1" smtClean="0"/>
+              <a:t>opcode</a:t>
+            </a:r>
+            <a:r>
+              <a:rPr lang="en-US" sz="2800" dirty="0" smtClean="0"/>
+              <a:t>, Mod </a:t>
+            </a:r>
+            <a:r>
+              <a:rPr lang="en-US" sz="2800" dirty="0"/>
+              <a:t>R/M byte, scale index byte (SIB), address displacement, and immediate data. </a:t>
+            </a:r>
+            <a:r>
+              <a:rPr lang="en-US" sz="2800" dirty="0" smtClean="0"/>
+              <a:t>Every instruction </a:t>
+            </a:r>
+            <a:r>
+              <a:rPr lang="en-US" sz="2800" dirty="0"/>
+              <a:t>has an </a:t>
+            </a:r>
+            <a:r>
+              <a:rPr lang="en-US" sz="2800" dirty="0" err="1"/>
+              <a:t>opcode</a:t>
+            </a:r>
+            <a:r>
+              <a:rPr lang="en-US" sz="2800" dirty="0"/>
+              <a:t>, but the remaining fields are optional. </a:t>
+            </a:r>
+            <a:endParaRPr lang="en-US" sz="2800" dirty="0" smtClean="0"/>
+          </a:p>
+          <a:p>
+            <a:pPr algn="just"/>
+            <a:r>
+              <a:rPr lang="en-US" sz="2800" dirty="0" smtClean="0"/>
+              <a:t>Few </a:t>
+            </a:r>
+            <a:r>
+              <a:rPr lang="en-US" sz="2800" dirty="0"/>
+              <a:t>instructions contain all </a:t>
+            </a:r>
+            <a:r>
+              <a:rPr lang="en-US" sz="2800" dirty="0" smtClean="0"/>
+              <a:t>fields; on </a:t>
+            </a:r>
+            <a:r>
+              <a:rPr lang="en-US" sz="2800" dirty="0"/>
+              <a:t>average, most instructions are 2 or 3 bytes. </a:t>
+            </a:r>
+            <a:endParaRPr lang="en-US" sz="2000" dirty="0"/>
+          </a:p>
+        </p:txBody>
+      </p:sp>
+      <p:pic>
+        <p:nvPicPr>
+          <p:cNvPr id="6" name="Picture 5"/>
+          <p:cNvPicPr>
+            <a:picLocks noChangeAspect="1"/>
+          </p:cNvPicPr>
+          <p:nvPr/>
+        </p:nvPicPr>
+        <p:blipFill>
+          <a:blip r:embed="rId2"/>
+          <a:stretch>
+            <a:fillRect/>
+          </a:stretch>
+        </p:blipFill>
+        <p:spPr>
+          <a:xfrm>
+            <a:off x="3155666" y="4660359"/>
+            <a:ext cx="5640036" cy="2197641"/>
+          </a:xfrm>
+          <a:prstGeom prst="rect">
+            <a:avLst/>
+          </a:prstGeom>
+        </p:spPr>
+      </p:pic>
+    </p:spTree>
+    <p:extLst>
+      <p:ext uri="{BB962C8B-B14F-4D97-AF65-F5344CB8AC3E}">
+        <p14:creationId xmlns:p14="http://schemas.microsoft.com/office/powerpoint/2010/main" val="643561235"/>
+      </p:ext>
+    </p:extLst>
+  </p:cSld>
+  <p:clrMapOvr>
+    <a:masterClrMapping/>
+  </p:clrMapOvr>
+</p:sld>
+</file>
+
+<file path=ppt/slides/slide15.xml><?xml version="1.0" encoding="utf-8"?>
+<p:sld xmlns:a="http://schemas.openxmlformats.org/drawingml/2006/main" xmlns:r="http://schemas.openxmlformats.org/officeDocument/2006/relationships" xmlns:p="http://schemas.openxmlformats.org/presentationml/2006/main">
+  <p:cSld>
+    <p:spTree>
+      <p:nvGrpSpPr>
+        <p:cNvPr id="1" name=""/>
+        <p:cNvGrpSpPr/>
+        <p:nvPr/>
+      </p:nvGrpSpPr>
+      <p:grpSpPr>
+        <a:xfrm>
+          <a:off x="0" y="0"/>
+          <a:ext cx="0" cy="0"/>
+          <a:chOff x="0" y="0"/>
+          <a:chExt cx="0" cy="0"/>
+        </a:xfrm>
+      </p:grpSpPr>
+      <p:sp>
+        <p:nvSpPr>
+          <p:cNvPr id="2" name="Title 1"/>
+          <p:cNvSpPr>
+            <a:spLocks noGrp="1"/>
+          </p:cNvSpPr>
+          <p:nvPr>
+            <p:ph type="title"/>
+          </p:nvPr>
+        </p:nvSpPr>
+        <p:spPr>
+          <a:xfrm>
+            <a:off x="241489" y="0"/>
+            <a:ext cx="11711162" cy="1115616"/>
+          </a:xfrm>
+        </p:spPr>
+        <p:txBody>
+          <a:bodyPr/>
+          <a:lstStyle/>
+          <a:p>
+            <a:r>
+              <a:rPr lang="en-US" dirty="0"/>
+              <a:t>Hand-assembling in x86</a:t>
+            </a:r>
+          </a:p>
+        </p:txBody>
+      </p:sp>
+      <p:sp>
+        <p:nvSpPr>
+          <p:cNvPr id="3" name="Content Placeholder 2"/>
+          <p:cNvSpPr>
+            <a:spLocks noGrp="1"/>
+          </p:cNvSpPr>
+          <p:nvPr>
+            <p:ph idx="1"/>
+          </p:nvPr>
+        </p:nvSpPr>
+        <p:spPr/>
+        <p:txBody>
+          <a:bodyPr>
+            <a:normAutofit fontScale="55000" lnSpcReduction="20000"/>
+          </a:bodyPr>
+          <a:lstStyle/>
+          <a:p>
+            <a:pPr marL="0" indent="0" algn="just">
+              <a:buNone/>
+            </a:pPr>
+            <a:r>
+              <a:rPr lang="en-US" sz="4000" dirty="0"/>
+              <a:t>Here is a quick summary of the fields:</a:t>
+            </a:r>
+          </a:p>
+          <a:p>
+            <a:pPr marL="0" indent="0" algn="just">
+              <a:buNone/>
+            </a:pPr>
+            <a:r>
+              <a:rPr lang="en-US" sz="4000" dirty="0"/>
+              <a:t>• The instruction prefix overrides default operand sizes.</a:t>
+            </a:r>
+          </a:p>
+          <a:p>
+            <a:pPr marL="0" indent="0" algn="just">
+              <a:buNone/>
+            </a:pPr>
+            <a:r>
+              <a:rPr lang="en-US" sz="4000" dirty="0"/>
+              <a:t>• The </a:t>
+            </a:r>
+            <a:r>
+              <a:rPr lang="en-US" sz="4000" dirty="0" err="1"/>
+              <a:t>opcode</a:t>
+            </a:r>
+            <a:r>
+              <a:rPr lang="en-US" sz="4000" dirty="0"/>
+              <a:t> (operation code) identifies a specific variant of an instruction. The ADD instruction, for example, has nine different </a:t>
+            </a:r>
+            <a:r>
+              <a:rPr lang="en-US" sz="4000" dirty="0" err="1"/>
+              <a:t>opcodes</a:t>
+            </a:r>
+            <a:r>
+              <a:rPr lang="en-US" sz="4000" dirty="0"/>
+              <a:t>, depending on the parameter types used.</a:t>
+            </a:r>
+          </a:p>
+          <a:p>
+            <a:pPr marL="0" indent="0" algn="just">
+              <a:buNone/>
+            </a:pPr>
+            <a:r>
+              <a:rPr lang="en-US" sz="4000" dirty="0"/>
+              <a:t>• The Mod R/M field identifies the addressing mode and operands. The notation “R/M” stands for register and mode. Table 12-18 describes the Mod field, and Table 12-19 describes the R/M field for 16-bit applications when Mod = 10 binary.</a:t>
+            </a:r>
+          </a:p>
+          <a:p>
+            <a:pPr marL="0" indent="0" algn="just">
+              <a:buNone/>
+            </a:pPr>
+            <a:r>
+              <a:rPr lang="en-US" sz="4000" dirty="0"/>
+              <a:t>• The scale index byte (SIB) is used to calculate offsets of array indexes.</a:t>
+            </a:r>
+          </a:p>
+          <a:p>
+            <a:pPr marL="0" indent="0" algn="just">
+              <a:buNone/>
+            </a:pPr>
+            <a:r>
+              <a:rPr lang="en-US" sz="4000" dirty="0"/>
+              <a:t>• The address displacement field holds an operand’s offset, or it can be added to base and index registers in addressing modes such as base-displacement or base-index-displacement.</a:t>
+            </a:r>
+          </a:p>
+          <a:p>
+            <a:pPr marL="0" indent="0" algn="just">
+              <a:buNone/>
+            </a:pPr>
+            <a:r>
+              <a:rPr lang="en-US" sz="4000" dirty="0"/>
+              <a:t>• The immediate data field holds constant operands</a:t>
+            </a:r>
+            <a:r>
+              <a:rPr lang="en-US" dirty="0" smtClean="0"/>
+              <a:t>. </a:t>
+            </a:r>
+            <a:endParaRPr lang="en-US" dirty="0"/>
+          </a:p>
+          <a:p>
+            <a:endParaRPr lang="en-US" dirty="0"/>
+          </a:p>
+        </p:txBody>
+      </p:sp>
+    </p:spTree>
+    <p:extLst>
+      <p:ext uri="{BB962C8B-B14F-4D97-AF65-F5344CB8AC3E}">
+        <p14:creationId xmlns:p14="http://schemas.microsoft.com/office/powerpoint/2010/main" val="1024702305"/>
+      </p:ext>
+    </p:extLst>
+  </p:cSld>
+  <p:clrMapOvr>
+    <a:masterClrMapping/>
+  </p:clrMapOvr>
+</p:sld>
+</file>
+
+<file path=ppt/slides/slide16.xml><?xml version="1.0" encoding="utf-8"?>
+<p:sld xmlns:a="http://schemas.openxmlformats.org/drawingml/2006/main" xmlns:r="http://schemas.openxmlformats.org/officeDocument/2006/relationships" xmlns:p="http://schemas.openxmlformats.org/presentationml/2006/main">
+  <p:cSld>
+    <p:spTree>
+      <p:nvGrpSpPr>
+        <p:cNvPr id="1" name=""/>
+        <p:cNvGrpSpPr/>
+        <p:nvPr/>
+      </p:nvGrpSpPr>
+      <p:grpSpPr>
+        <a:xfrm>
+          <a:off x="0" y="0"/>
+          <a:ext cx="0" cy="0"/>
+          <a:chOff x="0" y="0"/>
+          <a:chExt cx="0" cy="0"/>
+        </a:xfrm>
+      </p:grpSpPr>
+      <p:sp>
+        <p:nvSpPr>
+          <p:cNvPr id="2" name="Title 1"/>
+          <p:cNvSpPr>
+            <a:spLocks noGrp="1"/>
+          </p:cNvSpPr>
+          <p:nvPr>
+            <p:ph type="title"/>
+          </p:nvPr>
+        </p:nvSpPr>
+        <p:spPr/>
+        <p:txBody>
+          <a:bodyPr/>
+          <a:lstStyle/>
+          <a:p>
+            <a:r>
+              <a:rPr lang="en-GB" dirty="0" smtClean="0"/>
+              <a:t>8086 example</a:t>
+            </a:r>
+            <a:endParaRPr lang="en-US" dirty="0"/>
+          </a:p>
+        </p:txBody>
+      </p:sp>
+      <p:pic>
+        <p:nvPicPr>
+          <p:cNvPr id="4" name="Content Placeholder 3"/>
+          <p:cNvPicPr>
+            <a:picLocks noGrp="1" noChangeAspect="1"/>
+          </p:cNvPicPr>
+          <p:nvPr>
+            <p:ph idx="1"/>
+          </p:nvPr>
+        </p:nvPicPr>
+        <p:blipFill>
+          <a:blip r:embed="rId2"/>
+          <a:stretch>
+            <a:fillRect/>
+          </a:stretch>
+        </p:blipFill>
+        <p:spPr>
+          <a:xfrm>
+            <a:off x="2064440" y="1412875"/>
+            <a:ext cx="8063120" cy="4824413"/>
+          </a:xfrm>
+          <a:prstGeom prst="rect">
+            <a:avLst/>
+          </a:prstGeom>
+        </p:spPr>
+      </p:pic>
+    </p:spTree>
+    <p:extLst>
+      <p:ext uri="{BB962C8B-B14F-4D97-AF65-F5344CB8AC3E}">
+        <p14:creationId xmlns:p14="http://schemas.microsoft.com/office/powerpoint/2010/main" val="564126988"/>
+      </p:ext>
+    </p:extLst>
+  </p:cSld>
+  <p:clrMapOvr>
+    <a:masterClrMapping/>
+  </p:clrMapOvr>
+</p:sld>
+</file>
+
+<file path=ppt/slides/slide17.xml><?xml version="1.0" encoding="utf-8"?>
+<p:sld xmlns:a="http://schemas.openxmlformats.org/drawingml/2006/main" xmlns:r="http://schemas.openxmlformats.org/officeDocument/2006/relationships" xmlns:p="http://schemas.openxmlformats.org/presentationml/2006/main">
+  <p:cSld>
+    <p:spTree>
+      <p:nvGrpSpPr>
+        <p:cNvPr id="1" name=""/>
+        <p:cNvGrpSpPr/>
+        <p:nvPr/>
+      </p:nvGrpSpPr>
+      <p:grpSpPr>
+        <a:xfrm>
+          <a:off x="0" y="0"/>
+          <a:ext cx="0" cy="0"/>
+          <a:chOff x="0" y="0"/>
+          <a:chExt cx="0" cy="0"/>
+        </a:xfrm>
+      </p:grpSpPr>
+      <p:sp>
+        <p:nvSpPr>
+          <p:cNvPr id="2" name="Title 1"/>
+          <p:cNvSpPr>
+            <a:spLocks noGrp="1"/>
+          </p:cNvSpPr>
+          <p:nvPr>
+            <p:ph type="title"/>
+          </p:nvPr>
+        </p:nvSpPr>
+        <p:spPr/>
+        <p:txBody>
+          <a:bodyPr/>
+          <a:lstStyle/>
+          <a:p>
+            <a:r>
+              <a:rPr lang="en-GB" dirty="0" smtClean="0"/>
+              <a:t>Movement Instructions</a:t>
+            </a:r>
+            <a:endParaRPr lang="en-US" dirty="0"/>
+          </a:p>
+        </p:txBody>
+      </p:sp>
+      <p:pic>
+        <p:nvPicPr>
+          <p:cNvPr id="6" name="Content Placeholder 5"/>
+          <p:cNvPicPr>
+            <a:picLocks noGrp="1" noChangeAspect="1"/>
+          </p:cNvPicPr>
+          <p:nvPr>
+            <p:ph idx="1"/>
+          </p:nvPr>
+        </p:nvPicPr>
+        <p:blipFill>
+          <a:blip r:embed="rId2"/>
+          <a:stretch>
+            <a:fillRect/>
+          </a:stretch>
+        </p:blipFill>
+        <p:spPr>
+          <a:xfrm>
+            <a:off x="1908155" y="1268760"/>
+            <a:ext cx="7028154" cy="4824413"/>
+          </a:xfrm>
+          <a:prstGeom prst="rect">
+            <a:avLst/>
+          </a:prstGeom>
+        </p:spPr>
+      </p:pic>
+    </p:spTree>
+    <p:extLst>
+      <p:ext uri="{BB962C8B-B14F-4D97-AF65-F5344CB8AC3E}">
+        <p14:creationId xmlns:p14="http://schemas.microsoft.com/office/powerpoint/2010/main" val="4089802524"/>
+      </p:ext>
+    </p:extLst>
+  </p:cSld>
+  <p:clrMapOvr>
+    <a:masterClrMapping/>
+  </p:clrMapOvr>
+  <p:timing>
+    <p:tnLst>
+      <p:par>
+        <p:cTn id="1" dur="indefinite" restart="never" nodeType="tmRoot"/>
+      </p:par>
+    </p:tnLst>
+  </p:timing>
+</p:sld>
+</file>
+
+<file path=ppt/slides/slide18.xml><?xml version="1.0" encoding="utf-8"?>
+<p:sld xmlns:a="http://schemas.openxmlformats.org/drawingml/2006/main" xmlns:r="http://schemas.openxmlformats.org/officeDocument/2006/relationships" xmlns:p="http://schemas.openxmlformats.org/presentationml/2006/main">
+  <p:cSld>
+    <p:spTree>
+      <p:nvGrpSpPr>
+        <p:cNvPr id="1" name=""/>
+        <p:cNvGrpSpPr/>
+        <p:nvPr/>
+      </p:nvGrpSpPr>
+      <p:grpSpPr>
+        <a:xfrm>
+          <a:off x="0" y="0"/>
+          <a:ext cx="0" cy="0"/>
+          <a:chOff x="0" y="0"/>
+          <a:chExt cx="0" cy="0"/>
+        </a:xfrm>
+      </p:grpSpPr>
+      <p:sp>
+        <p:nvSpPr>
+          <p:cNvPr id="2" name="Title 1"/>
+          <p:cNvSpPr>
+            <a:spLocks noGrp="1"/>
+          </p:cNvSpPr>
+          <p:nvPr>
+            <p:ph type="title"/>
+          </p:nvPr>
+        </p:nvSpPr>
+        <p:spPr/>
+        <p:txBody>
+          <a:bodyPr/>
+          <a:lstStyle/>
+          <a:p>
+            <a:r>
+              <a:rPr lang="en-GB" dirty="0" smtClean="0"/>
+              <a:t>IN and OUT instructions</a:t>
+            </a:r>
+            <a:endParaRPr lang="en-US" dirty="0"/>
+          </a:p>
+        </p:txBody>
+      </p:sp>
+      <p:pic>
+        <p:nvPicPr>
+          <p:cNvPr id="4" name="Content Placeholder 3"/>
+          <p:cNvPicPr>
+            <a:picLocks noGrp="1" noChangeAspect="1"/>
+          </p:cNvPicPr>
+          <p:nvPr>
+            <p:ph idx="1"/>
+          </p:nvPr>
+        </p:nvPicPr>
+        <p:blipFill>
+          <a:blip r:embed="rId2"/>
+          <a:stretch>
+            <a:fillRect/>
+          </a:stretch>
+        </p:blipFill>
+        <p:spPr>
+          <a:xfrm>
+            <a:off x="1319754" y="1837042"/>
+            <a:ext cx="9552493" cy="3976079"/>
+          </a:xfrm>
+          <a:prstGeom prst="rect">
+            <a:avLst/>
+          </a:prstGeom>
+        </p:spPr>
+      </p:pic>
+    </p:spTree>
+    <p:extLst>
+      <p:ext uri="{BB962C8B-B14F-4D97-AF65-F5344CB8AC3E}">
+        <p14:creationId xmlns:p14="http://schemas.microsoft.com/office/powerpoint/2010/main" val="2167062012"/>
+      </p:ext>
+    </p:extLst>
+  </p:cSld>
+  <p:clrMapOvr>
+    <a:masterClrMapping/>
+  </p:clrMapOvr>
+</p:sld>
+</file>
+
+<file path=ppt/slides/slide19.xml><?xml version="1.0" encoding="utf-8"?>
+<p:sld xmlns:a="http://schemas.openxmlformats.org/drawingml/2006/main" xmlns:r="http://schemas.openxmlformats.org/officeDocument/2006/relationships" xmlns:p="http://schemas.openxmlformats.org/presentationml/2006/main">
+  <p:cSld>
+    <p:spTree>
+      <p:nvGrpSpPr>
+        <p:cNvPr id="1" name=""/>
+        <p:cNvGrpSpPr/>
+        <p:nvPr/>
+      </p:nvGrpSpPr>
+      <p:grpSpPr>
+        <a:xfrm>
+          <a:off x="0" y="0"/>
+          <a:ext cx="0" cy="0"/>
+          <a:chOff x="0" y="0"/>
+          <a:chExt cx="0" cy="0"/>
+        </a:xfrm>
+      </p:grpSpPr>
+      <p:sp>
+        <p:nvSpPr>
+          <p:cNvPr id="2" name="Title 1"/>
+          <p:cNvSpPr>
+            <a:spLocks noGrp="1"/>
+          </p:cNvSpPr>
+          <p:nvPr>
+            <p:ph type="title"/>
+          </p:nvPr>
+        </p:nvSpPr>
         <p:spPr/>
         <p:txBody>
           <a:bodyPr/>
@@ -3908,6 +4488,13 @@
   <p:clrMapOvr>
     <a:masterClrMapping/>
   </p:clrMapOvr>
+  <p:timing>
+    <p:tnLst>
+      <p:par>
+        <p:cTn id="1" dur="indefinite" restart="never" nodeType="tmRoot"/>
+      </p:par>
+    </p:tnLst>
+  </p:timing>
 </p:sld>
 </file>
 
@@ -3946,15 +4533,7 @@
             <a:pPr algn="just"/>
             <a:r>
               <a:rPr lang="en-GB" dirty="0" smtClean="0"/>
-              <a:t>Week </a:t>
-            </a:r>
-            <a:r>
-              <a:rPr lang="en-GB" dirty="0" smtClean="0"/>
-              <a:t>4 </a:t>
-            </a:r>
-            <a:r>
-              <a:rPr lang="en-GB" dirty="0" smtClean="0"/>
-              <a:t>Topics</a:t>
+              <a:t>Week 4 Topics</a:t>
             </a:r>
             <a:endParaRPr lang="en-GB" dirty="0"/>
           </a:p>
@@ -4054,7 +4633,6 @@
               <a:rPr lang="en-US" dirty="0"/>
               <a:t>Assembler directives</a:t>
             </a:r>
-            <a:endParaRPr lang="en-US" dirty="0"/>
           </a:p>
         </p:txBody>
       </p:sp>
